--- a/ShapeCrawler.Tests.Unit/Resource/011_dt.pptx
+++ b/ShapeCrawler.Tests.Unit/Resource/011_dt.pptx
@@ -375,7 +375,7 @@
               <a:pPr>
                 <a:defRPr/>
               </a:pPr>
-              <a:t>2/1/2020</a:t>
+              <a:t>1/20/2021</a:t>
             </a:fld>
             <a:endParaRPr lang="en-US" dirty="0"/>
           </a:p>
@@ -489,6 +489,11 @@
         </p:txBody>
       </p:sp>
     </p:spTree>
+    <p:extLst>
+      <p:ext uri="{BB962C8B-B14F-4D97-AF65-F5344CB8AC3E}">
+        <p14:creationId xmlns:p14="http://schemas.microsoft.com/office/powerpoint/2010/main" val="1"/>
+      </p:ext>
+    </p:extLst>
   </p:cSld>
   <p:clrMap bg1="lt1" tx1="dk1" bg2="lt2" tx2="dk2" accent1="accent1" accent2="accent2" accent3="accent3" accent4="accent4" accent5="accent5" accent6="accent6" hlink="hlink" folHlink="folHlink"/>
   <p:hf hdr="0" dt="0"/>
@@ -619,7 +624,7 @@
               <a:pPr>
                 <a:defRPr/>
               </a:pPr>
-              <a:t>2/1/2020</a:t>
+              <a:t>1/20/2021</a:t>
             </a:fld>
             <a:endParaRPr lang="en-US" dirty="0"/>
           </a:p>
@@ -1001,7 +1006,7 @@
           </p:cNvGraphicFramePr>
           <p:nvPr userDrawn="1">
             <p:custDataLst>
-              <p:tags r:id="rId2"/>
+              <p:tags r:id="rId1"/>
             </p:custDataLst>
           </p:nvPr>
         </p:nvGraphicFramePr>
@@ -1013,12 +1018,12 @@
           <a:graphicData uri="http://schemas.openxmlformats.org/presentationml/2006/ole">
             <mc:AlternateContent xmlns:mc="http://schemas.openxmlformats.org/markup-compatibility/2006">
               <mc:Choice xmlns:v="urn:schemas-microsoft-com:vml" Requires="v">
-                <p:oleObj spid="_x0000_s83988" name="think-cell Slide" r:id="rId8" imgW="360" imgH="360" progId="TCLayout.ActiveDocument.1">
+                <p:oleObj name="think-cell Slide" r:id="rId7" imgW="360" imgH="360" progId="TCLayout.ActiveDocument.1">
                   <p:embed/>
                 </p:oleObj>
               </mc:Choice>
               <mc:Fallback>
-                <p:oleObj name="think-cell Slide" r:id="rId8" imgW="360" imgH="360" progId="TCLayout.ActiveDocument.1">
+                <p:oleObj name="think-cell Slide" r:id="rId7" imgW="360" imgH="360" progId="TCLayout.ActiveDocument.1">
                   <p:embed/>
                   <p:pic>
                     <p:nvPicPr>
@@ -1035,7 +1040,7 @@
                       <p:nvPr/>
                     </p:nvPicPr>
                     <p:blipFill>
-                      <a:blip r:embed="rId9">
+                      <a:blip r:embed="rId8">
                         <a:extLst>
                           <a:ext uri="{28A0092B-C50C-407E-A947-70E740481C1C}">
                             <a14:useLocalDpi xmlns:a14="http://schemas.microsoft.com/office/drawing/2010/main" val="0"/>
@@ -1098,7 +1103,7 @@
           <p:cNvSpPr txBox="1"/>
           <p:nvPr userDrawn="1">
             <p:custDataLst>
-              <p:tags r:id="rId3"/>
+              <p:tags r:id="rId2"/>
             </p:custDataLst>
           </p:nvPr>
         </p:nvSpPr>
@@ -1152,7 +1157,7 @@
           <p:cNvSpPr txBox="1"/>
           <p:nvPr userDrawn="1">
             <p:custDataLst>
-              <p:tags r:id="rId4"/>
+              <p:tags r:id="rId3"/>
             </p:custDataLst>
           </p:nvPr>
         </p:nvSpPr>
@@ -1208,7 +1213,7 @@
           <p:cNvSpPr txBox="1"/>
           <p:nvPr userDrawn="1">
             <p:custDataLst>
-              <p:tags r:id="rId5"/>
+              <p:tags r:id="rId4"/>
             </p:custDataLst>
           </p:nvPr>
         </p:nvSpPr>
@@ -1303,7 +1308,7 @@
           <p:cNvSpPr txBox="1"/>
           <p:nvPr userDrawn="1">
             <p:custDataLst>
-              <p:tags r:id="rId6"/>
+              <p:tags r:id="rId5"/>
             </p:custDataLst>
           </p:nvPr>
         </p:nvSpPr>
@@ -1443,7 +1448,7 @@
           </p:cNvGraphicFramePr>
           <p:nvPr userDrawn="1">
             <p:custDataLst>
-              <p:tags r:id="rId4"/>
+              <p:tags r:id="rId3"/>
             </p:custDataLst>
           </p:nvPr>
         </p:nvGraphicFramePr>
@@ -1455,12 +1460,12 @@
           <a:graphicData uri="http://schemas.openxmlformats.org/presentationml/2006/ole">
             <mc:AlternateContent xmlns:mc="http://schemas.openxmlformats.org/markup-compatibility/2006">
               <mc:Choice xmlns:v="urn:schemas-microsoft-com:vml" Requires="v">
-                <p:oleObj spid="_x0000_s1050" name="think-cell Slide" r:id="rId5" imgW="360" imgH="360" progId="TCLayout.ActiveDocument.1">
+                <p:oleObj name="think-cell Slide" r:id="rId4" imgW="360" imgH="360" progId="TCLayout.ActiveDocument.1">
                   <p:embed/>
                 </p:oleObj>
               </mc:Choice>
               <mc:Fallback>
-                <p:oleObj name="think-cell Slide" r:id="rId5" imgW="360" imgH="360" progId="TCLayout.ActiveDocument.1">
+                <p:oleObj name="think-cell Slide" r:id="rId4" imgW="360" imgH="360" progId="TCLayout.ActiveDocument.1">
                   <p:embed/>
                   <p:pic>
                     <p:nvPicPr>
@@ -1471,7 +1476,7 @@
                       <p:nvPr/>
                     </p:nvPicPr>
                     <p:blipFill>
-                      <a:blip r:embed="rId6">
+                      <a:blip r:embed="rId5">
                         <a:extLst>
                           <a:ext uri="{28A0092B-C50C-407E-A947-70E740481C1C}">
                             <a14:useLocalDpi xmlns:a14="http://schemas.microsoft.com/office/drawing/2010/main" val="0"/>
@@ -2240,9 +2245,10 @@
               </a:spcAft>
             </a:pPr>
             <a:r>
-              <a:rPr lang="ru-RU" altLang="en-US"/>
-              <a:t>Январь 2018</a:t>
+              <a:rPr lang="en-US" altLang="en-US" dirty="0"/>
+              <a:t>Jan 2018</a:t>
             </a:r>
+            <a:endParaRPr lang="ru-RU" altLang="en-US" dirty="0"/>
           </a:p>
         </p:txBody>
       </p:sp>
